--- a/fig1.pptx
+++ b/fig1.pptx
@@ -243,7 +243,7 @@
           <a:p>
             <a:fld id="{D2456E9E-AB90-DE4B-96D0-0F707DAF5BBD}" type="datetimeFigureOut">
               <a:rPr lang="en-US" smtClean="0"/>
-              <a:t>6/16/21</a:t>
+              <a:t>12/10/21</a:t>
             </a:fld>
             <a:endParaRPr lang="en-US" dirty="0"/>
           </a:p>
@@ -413,7 +413,7 @@
           <a:p>
             <a:fld id="{D2456E9E-AB90-DE4B-96D0-0F707DAF5BBD}" type="datetimeFigureOut">
               <a:rPr lang="en-US" smtClean="0"/>
-              <a:t>6/16/21</a:t>
+              <a:t>12/10/21</a:t>
             </a:fld>
             <a:endParaRPr lang="en-US" dirty="0"/>
           </a:p>
@@ -593,7 +593,7 @@
           <a:p>
             <a:fld id="{D2456E9E-AB90-DE4B-96D0-0F707DAF5BBD}" type="datetimeFigureOut">
               <a:rPr lang="en-US" smtClean="0"/>
-              <a:t>6/16/21</a:t>
+              <a:t>12/10/21</a:t>
             </a:fld>
             <a:endParaRPr lang="en-US" dirty="0"/>
           </a:p>
@@ -763,7 +763,7 @@
           <a:p>
             <a:fld id="{D2456E9E-AB90-DE4B-96D0-0F707DAF5BBD}" type="datetimeFigureOut">
               <a:rPr lang="en-US" smtClean="0"/>
-              <a:t>6/16/21</a:t>
+              <a:t>12/10/21</a:t>
             </a:fld>
             <a:endParaRPr lang="en-US" dirty="0"/>
           </a:p>
@@ -1007,7 +1007,7 @@
           <a:p>
             <a:fld id="{D2456E9E-AB90-DE4B-96D0-0F707DAF5BBD}" type="datetimeFigureOut">
               <a:rPr lang="en-US" smtClean="0"/>
-              <a:t>6/16/21</a:t>
+              <a:t>12/10/21</a:t>
             </a:fld>
             <a:endParaRPr lang="en-US" dirty="0"/>
           </a:p>
@@ -1239,7 +1239,7 @@
           <a:p>
             <a:fld id="{D2456E9E-AB90-DE4B-96D0-0F707DAF5BBD}" type="datetimeFigureOut">
               <a:rPr lang="en-US" smtClean="0"/>
-              <a:t>6/16/21</a:t>
+              <a:t>12/10/21</a:t>
             </a:fld>
             <a:endParaRPr lang="en-US" dirty="0"/>
           </a:p>
@@ -1606,7 +1606,7 @@
           <a:p>
             <a:fld id="{D2456E9E-AB90-DE4B-96D0-0F707DAF5BBD}" type="datetimeFigureOut">
               <a:rPr lang="en-US" smtClean="0"/>
-              <a:t>6/16/21</a:t>
+              <a:t>12/10/21</a:t>
             </a:fld>
             <a:endParaRPr lang="en-US" dirty="0"/>
           </a:p>
@@ -1724,7 +1724,7 @@
           <a:p>
             <a:fld id="{D2456E9E-AB90-DE4B-96D0-0F707DAF5BBD}" type="datetimeFigureOut">
               <a:rPr lang="en-US" smtClean="0"/>
-              <a:t>6/16/21</a:t>
+              <a:t>12/10/21</a:t>
             </a:fld>
             <a:endParaRPr lang="en-US" dirty="0"/>
           </a:p>
@@ -1819,7 +1819,7 @@
           <a:p>
             <a:fld id="{D2456E9E-AB90-DE4B-96D0-0F707DAF5BBD}" type="datetimeFigureOut">
               <a:rPr lang="en-US" smtClean="0"/>
-              <a:t>6/16/21</a:t>
+              <a:t>12/10/21</a:t>
             </a:fld>
             <a:endParaRPr lang="en-US" dirty="0"/>
           </a:p>
@@ -2096,7 +2096,7 @@
           <a:p>
             <a:fld id="{D2456E9E-AB90-DE4B-96D0-0F707DAF5BBD}" type="datetimeFigureOut">
               <a:rPr lang="en-US" smtClean="0"/>
-              <a:t>6/16/21</a:t>
+              <a:t>12/10/21</a:t>
             </a:fld>
             <a:endParaRPr lang="en-US" dirty="0"/>
           </a:p>
@@ -2353,7 +2353,7 @@
           <a:p>
             <a:fld id="{D2456E9E-AB90-DE4B-96D0-0F707DAF5BBD}" type="datetimeFigureOut">
               <a:rPr lang="en-US" smtClean="0"/>
-              <a:t>6/16/21</a:t>
+              <a:t>12/10/21</a:t>
             </a:fld>
             <a:endParaRPr lang="en-US" dirty="0"/>
           </a:p>
@@ -2566,7 +2566,7 @@
           <a:p>
             <a:fld id="{D2456E9E-AB90-DE4B-96D0-0F707DAF5BBD}" type="datetimeFigureOut">
               <a:rPr lang="en-US" smtClean="0"/>
-              <a:t>6/16/21</a:t>
+              <a:t>12/10/21</a:t>
             </a:fld>
             <a:endParaRPr lang="en-US" dirty="0"/>
           </a:p>
@@ -2985,14 +2985,14 @@
         </p:nvGrpSpPr>
         <p:grpSpPr>
           <a:xfrm>
-            <a:off x="0" y="981335"/>
+            <a:off x="97971" y="415937"/>
             <a:ext cx="2752861" cy="2902124"/>
             <a:chOff x="0" y="798244"/>
             <a:chExt cx="2957890" cy="3118270"/>
           </a:xfrm>
         </p:grpSpPr>
-        <mc:AlternateContent xmlns:mc="http://schemas.openxmlformats.org/markup-compatibility/2006">
-          <mc:Choice xmlns:a14="http://schemas.microsoft.com/office/drawing/2010/main" Requires="a14">
+        <mc:AlternateContent xmlns:mc="http://schemas.openxmlformats.org/markup-compatibility/2006" xmlns:a14="http://schemas.microsoft.com/office/drawing/2010/main">
+          <mc:Choice Requires="a14">
             <p:sp>
               <p:nvSpPr>
                 <p:cNvPr id="5" name="Rectangle 4">
@@ -3097,7 +3097,7 @@
               </p:txBody>
             </p:sp>
           </mc:Choice>
-          <mc:Fallback>
+          <mc:Fallback xmlns="">
             <p:sp>
               <p:nvSpPr>
                 <p:cNvPr id="5" name="Rectangle 4">
@@ -3147,8 +3147,8 @@
             </p:sp>
           </mc:Fallback>
         </mc:AlternateContent>
-        <mc:AlternateContent xmlns:mc="http://schemas.openxmlformats.org/markup-compatibility/2006">
-          <mc:Choice xmlns:a14="http://schemas.microsoft.com/office/drawing/2010/main" Requires="a14">
+        <mc:AlternateContent xmlns:mc="http://schemas.openxmlformats.org/markup-compatibility/2006" xmlns:a14="http://schemas.microsoft.com/office/drawing/2010/main">
+          <mc:Choice Requires="a14">
             <p:sp>
               <p:nvSpPr>
                 <p:cNvPr id="7" name="Rectangle 6">
@@ -3253,7 +3253,7 @@
               </p:txBody>
             </p:sp>
           </mc:Choice>
-          <mc:Fallback>
+          <mc:Fallback xmlns="">
             <p:sp>
               <p:nvSpPr>
                 <p:cNvPr id="7" name="Rectangle 6">
@@ -3348,8 +3348,8 @@
             </a:fontRef>
           </p:style>
         </p:cxnSp>
-        <mc:AlternateContent xmlns:mc="http://schemas.openxmlformats.org/markup-compatibility/2006">
-          <mc:Choice xmlns:a14="http://schemas.microsoft.com/office/drawing/2010/main" Requires="a14">
+        <mc:AlternateContent xmlns:mc="http://schemas.openxmlformats.org/markup-compatibility/2006" xmlns:a14="http://schemas.microsoft.com/office/drawing/2010/main">
+          <mc:Choice Requires="a14">
             <p:sp>
               <p:nvSpPr>
                 <p:cNvPr id="10" name="Rectangle 9">
@@ -3454,7 +3454,7 @@
               </p:txBody>
             </p:sp>
           </mc:Choice>
-          <mc:Fallback>
+          <mc:Fallback xmlns="">
             <p:sp>
               <p:nvSpPr>
                 <p:cNvPr id="10" name="Rectangle 9">
@@ -3504,8 +3504,8 @@
             </p:sp>
           </mc:Fallback>
         </mc:AlternateContent>
-        <mc:AlternateContent xmlns:mc="http://schemas.openxmlformats.org/markup-compatibility/2006">
-          <mc:Choice xmlns:a14="http://schemas.microsoft.com/office/drawing/2010/main" Requires="a14">
+        <mc:AlternateContent xmlns:mc="http://schemas.openxmlformats.org/markup-compatibility/2006" xmlns:a14="http://schemas.microsoft.com/office/drawing/2010/main">
+          <mc:Choice Requires="a14">
             <p:sp>
               <p:nvSpPr>
                 <p:cNvPr id="11" name="Rectangle 10">
@@ -3610,7 +3610,7 @@
               </p:txBody>
             </p:sp>
           </mc:Choice>
-          <mc:Fallback>
+          <mc:Fallback xmlns="">
             <p:sp>
               <p:nvSpPr>
                 <p:cNvPr id="11" name="Rectangle 10">
@@ -3988,8 +3988,8 @@
             </a:fontRef>
           </p:style>
         </p:cxnSp>
-        <mc:AlternateContent xmlns:mc="http://schemas.openxmlformats.org/markup-compatibility/2006">
-          <mc:Choice xmlns:a14="http://schemas.microsoft.com/office/drawing/2010/main" Requires="a14">
+        <mc:AlternateContent xmlns:mc="http://schemas.openxmlformats.org/markup-compatibility/2006" xmlns:a14="http://schemas.microsoft.com/office/drawing/2010/main">
+          <mc:Choice Requires="a14">
             <p:sp>
               <p:nvSpPr>
                 <p:cNvPr id="31" name="Rectangle 30">
@@ -4065,7 +4065,7 @@
               </p:txBody>
             </p:sp>
           </mc:Choice>
-          <mc:Fallback>
+          <mc:Fallback xmlns="">
             <p:sp>
               <p:nvSpPr>
                 <p:cNvPr id="31" name="Rectangle 30">
@@ -4113,8 +4113,8 @@
             </p:sp>
           </mc:Fallback>
         </mc:AlternateContent>
-        <mc:AlternateContent xmlns:mc="http://schemas.openxmlformats.org/markup-compatibility/2006">
-          <mc:Choice xmlns:a14="http://schemas.microsoft.com/office/drawing/2010/main" Requires="a14">
+        <mc:AlternateContent xmlns:mc="http://schemas.openxmlformats.org/markup-compatibility/2006" xmlns:a14="http://schemas.microsoft.com/office/drawing/2010/main">
+          <mc:Choice Requires="a14">
             <p:sp>
               <p:nvSpPr>
                 <p:cNvPr id="32" name="Rectangle 31">
@@ -4191,7 +4191,7 @@
               </p:txBody>
             </p:sp>
           </mc:Choice>
-          <mc:Fallback>
+          <mc:Fallback xmlns="">
             <p:sp>
               <p:nvSpPr>
                 <p:cNvPr id="32" name="Rectangle 31">
@@ -4239,8 +4239,8 @@
             </p:sp>
           </mc:Fallback>
         </mc:AlternateContent>
-        <mc:AlternateContent xmlns:mc="http://schemas.openxmlformats.org/markup-compatibility/2006">
-          <mc:Choice xmlns:a14="http://schemas.microsoft.com/office/drawing/2010/main" Requires="a14">
+        <mc:AlternateContent xmlns:mc="http://schemas.openxmlformats.org/markup-compatibility/2006" xmlns:a14="http://schemas.microsoft.com/office/drawing/2010/main">
+          <mc:Choice Requires="a14">
             <p:sp>
               <p:nvSpPr>
                 <p:cNvPr id="34" name="Rectangle 33">
@@ -4484,7 +4484,7 @@
               </p:txBody>
             </p:sp>
           </mc:Choice>
-          <mc:Fallback>
+          <mc:Fallback xmlns="">
             <p:sp>
               <p:nvSpPr>
                 <p:cNvPr id="34" name="Rectangle 33">
@@ -4532,8 +4532,8 @@
             </p:sp>
           </mc:Fallback>
         </mc:AlternateContent>
-        <mc:AlternateContent xmlns:mc="http://schemas.openxmlformats.org/markup-compatibility/2006">
-          <mc:Choice xmlns:a14="http://schemas.microsoft.com/office/drawing/2010/main" Requires="a14">
+        <mc:AlternateContent xmlns:mc="http://schemas.openxmlformats.org/markup-compatibility/2006" xmlns:a14="http://schemas.microsoft.com/office/drawing/2010/main">
+          <mc:Choice Requires="a14">
             <p:sp>
               <p:nvSpPr>
                 <p:cNvPr id="37" name="Rectangle 36">
@@ -4609,7 +4609,7 @@
               </p:txBody>
             </p:sp>
           </mc:Choice>
-          <mc:Fallback>
+          <mc:Fallback xmlns="">
             <p:sp>
               <p:nvSpPr>
                 <p:cNvPr id="37" name="Rectangle 36">
@@ -4657,8 +4657,8 @@
             </p:sp>
           </mc:Fallback>
         </mc:AlternateContent>
-        <mc:AlternateContent xmlns:mc="http://schemas.openxmlformats.org/markup-compatibility/2006">
-          <mc:Choice xmlns:a14="http://schemas.microsoft.com/office/drawing/2010/main" Requires="a14">
+        <mc:AlternateContent xmlns:mc="http://schemas.openxmlformats.org/markup-compatibility/2006" xmlns:a14="http://schemas.microsoft.com/office/drawing/2010/main">
+          <mc:Choice Requires="a14">
             <p:sp>
               <p:nvSpPr>
                 <p:cNvPr id="39" name="Rectangle 38">
@@ -4902,7 +4902,7 @@
               </p:txBody>
             </p:sp>
           </mc:Choice>
-          <mc:Fallback>
+          <mc:Fallback xmlns="">
             <p:sp>
               <p:nvSpPr>
                 <p:cNvPr id="39" name="Rectangle 38">
@@ -4950,8 +4950,8 @@
             </p:sp>
           </mc:Fallback>
         </mc:AlternateContent>
-        <mc:AlternateContent xmlns:mc="http://schemas.openxmlformats.org/markup-compatibility/2006">
-          <mc:Choice xmlns:a14="http://schemas.microsoft.com/office/drawing/2010/main" Requires="a14">
+        <mc:AlternateContent xmlns:mc="http://schemas.openxmlformats.org/markup-compatibility/2006" xmlns:a14="http://schemas.microsoft.com/office/drawing/2010/main">
+          <mc:Choice Requires="a14">
             <p:sp>
               <p:nvSpPr>
                 <p:cNvPr id="46" name="Rectangle 45">
@@ -5195,7 +5195,7 @@
               </p:txBody>
             </p:sp>
           </mc:Choice>
-          <mc:Fallback>
+          <mc:Fallback xmlns="">
             <p:sp>
               <p:nvSpPr>
                 <p:cNvPr id="46" name="Rectangle 45">
@@ -5243,8 +5243,8 @@
             </p:sp>
           </mc:Fallback>
         </mc:AlternateContent>
-        <mc:AlternateContent xmlns:mc="http://schemas.openxmlformats.org/markup-compatibility/2006">
-          <mc:Choice xmlns:a14="http://schemas.microsoft.com/office/drawing/2010/main" Requires="a14">
+        <mc:AlternateContent xmlns:mc="http://schemas.openxmlformats.org/markup-compatibility/2006" xmlns:a14="http://schemas.microsoft.com/office/drawing/2010/main">
+          <mc:Choice Requires="a14">
             <p:sp>
               <p:nvSpPr>
                 <p:cNvPr id="97" name="Rectangle 96">
@@ -5488,7 +5488,7 @@
               </p:txBody>
             </p:sp>
           </mc:Choice>
-          <mc:Fallback>
+          <mc:Fallback xmlns="">
             <p:sp>
               <p:nvSpPr>
                 <p:cNvPr id="97" name="Rectangle 96">
@@ -5536,8 +5536,8 @@
             </p:sp>
           </mc:Fallback>
         </mc:AlternateContent>
-        <mc:AlternateContent xmlns:mc="http://schemas.openxmlformats.org/markup-compatibility/2006">
-          <mc:Choice xmlns:a14="http://schemas.microsoft.com/office/drawing/2010/main" Requires="a14">
+        <mc:AlternateContent xmlns:mc="http://schemas.openxmlformats.org/markup-compatibility/2006" xmlns:a14="http://schemas.microsoft.com/office/drawing/2010/main">
+          <mc:Choice Requires="a14">
             <p:sp>
               <p:nvSpPr>
                 <p:cNvPr id="22" name="Rectangle 21">
@@ -5614,7 +5614,7 @@
               </p:txBody>
             </p:sp>
           </mc:Choice>
-          <mc:Fallback>
+          <mc:Fallback xmlns="">
             <p:sp>
               <p:nvSpPr>
                 <p:cNvPr id="22" name="Rectangle 21">
@@ -5677,8 +5677,8 @@
         </p:nvSpPr>
         <p:spPr>
           <a:xfrm>
-            <a:off x="2978895" y="570690"/>
-            <a:ext cx="2592247" cy="300765"/>
+            <a:off x="177716" y="3436052"/>
+            <a:ext cx="2774093" cy="323165"/>
           </a:xfrm>
           <a:prstGeom prst="rect">
             <a:avLst/>
@@ -5696,7 +5696,7 @@
                 <a:latin typeface="Arial" panose="020B0604020202020204" pitchFamily="34" charset="0"/>
                 <a:cs typeface="Arial" panose="020B0604020202020204" pitchFamily="34" charset="0"/>
               </a:rPr>
-              <a:t>(b) Social learning by B from A</a:t>
+              <a:t>(c) Social learning by B from A</a:t>
             </a:r>
           </a:p>
         </p:txBody>
@@ -5715,8 +5715,8 @@
         </p:nvSpPr>
         <p:spPr>
           <a:xfrm>
-            <a:off x="6052439" y="565398"/>
-            <a:ext cx="2641479" cy="300765"/>
+            <a:off x="3251260" y="3429000"/>
+            <a:ext cx="2838213" cy="323165"/>
           </a:xfrm>
           <a:prstGeom prst="rect">
             <a:avLst/>
@@ -5734,7 +5734,7 @@
                 <a:latin typeface="Arial" panose="020B0604020202020204" pitchFamily="34" charset="0"/>
                 <a:cs typeface="Arial" panose="020B0604020202020204" pitchFamily="34" charset="0"/>
               </a:rPr>
-              <a:t>(c) Information loses value to A</a:t>
+              <a:t>(d) Information loses value to A</a:t>
             </a:r>
           </a:p>
         </p:txBody>
@@ -5755,7 +5755,7 @@
         </p:nvGrpSpPr>
         <p:grpSpPr>
           <a:xfrm>
-            <a:off x="2908282" y="1036375"/>
+            <a:off x="107103" y="3901737"/>
             <a:ext cx="5947718" cy="2847084"/>
             <a:chOff x="3956217" y="760076"/>
             <a:chExt cx="7495071" cy="3587777"/>
@@ -5892,7 +5892,7 @@
                 <a:noFill/>
                 <a:extLst>
                   <a:ext uri="{909E8E84-426E-40dd-AFC4-6F175D3DCCD1}">
-                    <a14:hiddenFill xmlns:a14="http://schemas.microsoft.com/office/drawing/2010/main" xmlns="">
+                    <a14:hiddenFill xmlns="" xmlns:a14="http://schemas.microsoft.com/office/drawing/2010/main">
                       <a:solidFill>
                         <a:srgbClr val="FFFFFF"/>
                       </a:solidFill>
@@ -6212,7 +6212,7 @@
                 <a:noFill/>
                 <a:extLst>
                   <a:ext uri="{909E8E84-426E-40dd-AFC4-6F175D3DCCD1}">
-                    <a14:hiddenFill xmlns:a14="http://schemas.microsoft.com/office/drawing/2010/main" xmlns="">
+                    <a14:hiddenFill xmlns="" xmlns:a14="http://schemas.microsoft.com/office/drawing/2010/main">
                       <a:solidFill>
                         <a:srgbClr val="FFFFFF"/>
                       </a:solidFill>
@@ -6539,7 +6539,7 @@
                 <a:noFill/>
                 <a:extLst>
                   <a:ext uri="{909E8E84-426E-40dd-AFC4-6F175D3DCCD1}">
-                    <a14:hiddenFill xmlns:a14="http://schemas.microsoft.com/office/drawing/2010/main" xmlns="">
+                    <a14:hiddenFill xmlns="" xmlns:a14="http://schemas.microsoft.com/office/drawing/2010/main">
                       <a:solidFill>
                         <a:srgbClr val="FFFFFF"/>
                       </a:solidFill>
@@ -6859,7 +6859,7 @@
                 <a:noFill/>
                 <a:extLst>
                   <a:ext uri="{909E8E84-426E-40dd-AFC4-6F175D3DCCD1}">
-                    <a14:hiddenFill xmlns:a14="http://schemas.microsoft.com/office/drawing/2010/main" xmlns="">
+                    <a14:hiddenFill xmlns="" xmlns:a14="http://schemas.microsoft.com/office/drawing/2010/main">
                       <a:solidFill>
                         <a:srgbClr val="FFFFFF"/>
                       </a:solidFill>
@@ -7272,7 +7272,7 @@
                 <a:noFill/>
                 <a:extLst>
                   <a:ext uri="{909E8E84-426E-40dd-AFC4-6F175D3DCCD1}">
-                    <a14:hiddenFill xmlns:a14="http://schemas.microsoft.com/office/drawing/2010/main" xmlns="">
+                    <a14:hiddenFill xmlns="" xmlns:a14="http://schemas.microsoft.com/office/drawing/2010/main">
                       <a:solidFill>
                         <a:srgbClr val="FFFFFF"/>
                       </a:solidFill>
@@ -7592,7 +7592,7 @@
                 <a:noFill/>
                 <a:extLst>
                   <a:ext uri="{909E8E84-426E-40dd-AFC4-6F175D3DCCD1}">
-                    <a14:hiddenFill xmlns:a14="http://schemas.microsoft.com/office/drawing/2010/main" xmlns="">
+                    <a14:hiddenFill xmlns="" xmlns:a14="http://schemas.microsoft.com/office/drawing/2010/main">
                       <a:solidFill>
                         <a:srgbClr val="FFFFFF"/>
                       </a:solidFill>
@@ -7912,7 +7912,7 @@
                 <a:noFill/>
                 <a:extLst>
                   <a:ext uri="{909E8E84-426E-40dd-AFC4-6F175D3DCCD1}">
-                    <a14:hiddenFill xmlns:a14="http://schemas.microsoft.com/office/drawing/2010/main" xmlns="">
+                    <a14:hiddenFill xmlns="" xmlns:a14="http://schemas.microsoft.com/office/drawing/2010/main">
                       <a:solidFill>
                         <a:srgbClr val="FFFFFF"/>
                       </a:solidFill>
@@ -8239,7 +8239,7 @@
                 <a:noFill/>
                 <a:extLst>
                   <a:ext uri="{909E8E84-426E-40dd-AFC4-6F175D3DCCD1}">
-                    <a14:hiddenFill xmlns:a14="http://schemas.microsoft.com/office/drawing/2010/main" xmlns="">
+                    <a14:hiddenFill xmlns="" xmlns:a14="http://schemas.microsoft.com/office/drawing/2010/main">
                       <a:solidFill>
                         <a:srgbClr val="FFFFFF"/>
                       </a:solidFill>
@@ -8801,7 +8801,7 @@
         </p:nvSpPr>
         <p:spPr>
           <a:xfrm>
-            <a:off x="1820" y="572450"/>
+            <a:off x="147312" y="-14079"/>
             <a:ext cx="2592247" cy="300765"/>
           </a:xfrm>
           <a:prstGeom prst="rect">
@@ -8823,6 +8823,465 @@
               </a:rPr>
               <a:t>(a) Model schematic</a:t>
             </a:r>
+          </a:p>
+        </p:txBody>
+      </p:sp>
+      <p:cxnSp>
+        <p:nvCxnSpPr>
+          <p:cNvPr id="4" name="Straight Arrow Connector 3">
+            <a:extLst>
+              <a:ext uri="{FF2B5EF4-FFF2-40B4-BE49-F238E27FC236}">
+                <a16:creationId xmlns:a16="http://schemas.microsoft.com/office/drawing/2014/main" id="{F59D5DE6-A356-6344-9924-3F6F77F907B2}"/>
+              </a:ext>
+            </a:extLst>
+          </p:cNvPr>
+          <p:cNvCxnSpPr/>
+          <p:nvPr/>
+        </p:nvCxnSpPr>
+        <p:spPr>
+          <a:xfrm flipV="1">
+            <a:off x="3454043" y="612322"/>
+            <a:ext cx="0" cy="2392135"/>
+          </a:xfrm>
+          <a:prstGeom prst="straightConnector1">
+            <a:avLst/>
+          </a:prstGeom>
+          <a:ln w="38100">
+            <a:solidFill>
+              <a:schemeClr val="tx1"/>
+            </a:solidFill>
+            <a:tailEnd type="triangle"/>
+          </a:ln>
+        </p:spPr>
+        <p:style>
+          <a:lnRef idx="1">
+            <a:schemeClr val="accent1"/>
+          </a:lnRef>
+          <a:fillRef idx="0">
+            <a:schemeClr val="accent1"/>
+          </a:fillRef>
+          <a:effectRef idx="0">
+            <a:schemeClr val="accent1"/>
+          </a:effectRef>
+          <a:fontRef idx="minor">
+            <a:schemeClr val="tx1"/>
+          </a:fontRef>
+        </p:style>
+      </p:cxnSp>
+      <p:cxnSp>
+        <p:nvCxnSpPr>
+          <p:cNvPr id="112" name="Straight Arrow Connector 111">
+            <a:extLst>
+              <a:ext uri="{FF2B5EF4-FFF2-40B4-BE49-F238E27FC236}">
+                <a16:creationId xmlns:a16="http://schemas.microsoft.com/office/drawing/2014/main" id="{094EF1CD-8263-A544-B2EA-59D91AFA5438}"/>
+              </a:ext>
+            </a:extLst>
+          </p:cNvPr>
+          <p:cNvCxnSpPr>
+            <a:cxnSpLocks/>
+          </p:cNvCxnSpPr>
+          <p:nvPr/>
+        </p:nvCxnSpPr>
+        <p:spPr>
+          <a:xfrm>
+            <a:off x="3441612" y="3004187"/>
+            <a:ext cx="2613209" cy="0"/>
+          </a:xfrm>
+          <a:prstGeom prst="straightConnector1">
+            <a:avLst/>
+          </a:prstGeom>
+          <a:ln w="38100">
+            <a:solidFill>
+              <a:schemeClr val="tx1"/>
+            </a:solidFill>
+            <a:tailEnd type="triangle"/>
+          </a:ln>
+        </p:spPr>
+        <p:style>
+          <a:lnRef idx="1">
+            <a:schemeClr val="accent1"/>
+          </a:lnRef>
+          <a:fillRef idx="0">
+            <a:schemeClr val="accent1"/>
+          </a:fillRef>
+          <a:effectRef idx="0">
+            <a:schemeClr val="accent1"/>
+          </a:effectRef>
+          <a:fontRef idx="minor">
+            <a:schemeClr val="tx1"/>
+          </a:fontRef>
+        </p:style>
+      </p:cxnSp>
+      <mc:AlternateContent xmlns:mc="http://schemas.openxmlformats.org/markup-compatibility/2006">
+        <mc:Choice xmlns:a14="http://schemas.microsoft.com/office/drawing/2010/main" Requires="a14">
+          <p:sp>
+            <p:nvSpPr>
+              <p:cNvPr id="113" name="Rectangle 112">
+                <a:extLst>
+                  <a:ext uri="{FF2B5EF4-FFF2-40B4-BE49-F238E27FC236}">
+                    <a16:creationId xmlns:a16="http://schemas.microsoft.com/office/drawing/2014/main" id="{8799CA1B-C039-1C49-87A9-7107EEDD800C}"/>
+                  </a:ext>
+                </a:extLst>
+              </p:cNvPr>
+              <p:cNvSpPr>
+                <a:spLocks noChangeAspect="1"/>
+              </p:cNvSpPr>
+              <p:nvPr/>
+            </p:nvSpPr>
+            <p:spPr>
+              <a:xfrm>
+                <a:off x="3590283" y="3000821"/>
+                <a:ext cx="2315865" cy="294144"/>
+              </a:xfrm>
+              <a:prstGeom prst="rect">
+                <a:avLst/>
+              </a:prstGeom>
+              <a:noFill/>
+              <a:ln w="38100">
+                <a:noFill/>
+              </a:ln>
+            </p:spPr>
+            <p:style>
+              <a:lnRef idx="2">
+                <a:schemeClr val="accent1">
+                  <a:shade val="50000"/>
+                </a:schemeClr>
+              </a:lnRef>
+              <a:fillRef idx="1">
+                <a:schemeClr val="accent1"/>
+              </a:fillRef>
+              <a:effectRef idx="0">
+                <a:schemeClr val="accent1"/>
+              </a:effectRef>
+              <a:fontRef idx="minor">
+                <a:schemeClr val="lt1"/>
+              </a:fontRef>
+            </p:style>
+            <p:txBody>
+              <a:bodyPr rtlCol="0" anchor="ctr"/>
+              <a:lstStyle/>
+              <a:p>
+                <a:pPr algn="ctr"/>
+                <a:r>
+                  <a:rPr lang="en-US" sz="1200" dirty="0">
+                    <a:solidFill>
+                      <a:schemeClr val="tx1"/>
+                    </a:solidFill>
+                    <a:latin typeface="Arial" panose="020B0604020202020204" pitchFamily="34" charset="0"/>
+                    <a:cs typeface="Arial" panose="020B0604020202020204" pitchFamily="34" charset="0"/>
+                  </a:rPr>
+                  <a:t>Virulence, </a:t>
+                </a:r>
+                <a14:m>
+                  <m:oMath xmlns:m="http://schemas.openxmlformats.org/officeDocument/2006/math">
+                    <m:r>
+                      <a:rPr lang="en-GB" sz="1200" b="0" i="1" smtClean="0">
+                        <a:solidFill>
+                          <a:schemeClr val="tx1"/>
+                        </a:solidFill>
+                        <a:latin typeface="Cambria Math" panose="02040503050406030204" pitchFamily="18" charset="0"/>
+                        <a:cs typeface="Arial" panose="020B0604020202020204" pitchFamily="34" charset="0"/>
+                      </a:rPr>
+                      <m:t>𝛼</m:t>
+                    </m:r>
+                  </m:oMath>
+                </a14:m>
+                <a:endParaRPr lang="en-US" sz="1200" dirty="0">
+                  <a:solidFill>
+                    <a:schemeClr val="tx1"/>
+                  </a:solidFill>
+                  <a:latin typeface="Arial" panose="020B0604020202020204" pitchFamily="34" charset="0"/>
+                  <a:cs typeface="Arial" panose="020B0604020202020204" pitchFamily="34" charset="0"/>
+                </a:endParaRPr>
+              </a:p>
+            </p:txBody>
+          </p:sp>
+        </mc:Choice>
+        <mc:Fallback>
+          <p:sp>
+            <p:nvSpPr>
+              <p:cNvPr id="113" name="Rectangle 112">
+                <a:extLst>
+                  <a:ext uri="{FF2B5EF4-FFF2-40B4-BE49-F238E27FC236}">
+                    <a16:creationId xmlns:a16="http://schemas.microsoft.com/office/drawing/2014/main" id="{8799CA1B-C039-1C49-87A9-7107EEDD800C}"/>
+                  </a:ext>
+                </a:extLst>
+              </p:cNvPr>
+              <p:cNvSpPr>
+                <a:spLocks noRot="1" noChangeAspect="1" noMove="1" noResize="1" noEditPoints="1" noAdjustHandles="1" noChangeArrowheads="1" noChangeShapeType="1" noTextEdit="1"/>
+              </p:cNvSpPr>
+              <p:nvPr/>
+            </p:nvSpPr>
+            <p:spPr>
+              <a:xfrm>
+                <a:off x="3590283" y="3000821"/>
+                <a:ext cx="2315865" cy="294144"/>
+              </a:xfrm>
+              <a:prstGeom prst="rect">
+                <a:avLst/>
+              </a:prstGeom>
+              <a:blipFill>
+                <a:blip r:embed="rId15"/>
+                <a:stretch>
+                  <a:fillRect b="-16667"/>
+                </a:stretch>
+              </a:blipFill>
+              <a:ln w="38100">
+                <a:noFill/>
+              </a:ln>
+            </p:spPr>
+            <p:txBody>
+              <a:bodyPr/>
+              <a:lstStyle/>
+              <a:p>
+                <a:r>
+                  <a:rPr lang="en-US">
+                    <a:noFill/>
+                  </a:rPr>
+                  <a:t> </a:t>
+                </a:r>
+              </a:p>
+            </p:txBody>
+          </p:sp>
+        </mc:Fallback>
+      </mc:AlternateContent>
+      <mc:AlternateContent xmlns:mc="http://schemas.openxmlformats.org/markup-compatibility/2006">
+        <mc:Choice xmlns:a14="http://schemas.microsoft.com/office/drawing/2010/main" Requires="a14">
+          <p:sp>
+            <p:nvSpPr>
+              <p:cNvPr id="114" name="Rectangle 113">
+                <a:extLst>
+                  <a:ext uri="{FF2B5EF4-FFF2-40B4-BE49-F238E27FC236}">
+                    <a16:creationId xmlns:a16="http://schemas.microsoft.com/office/drawing/2014/main" id="{4A0D45F5-6269-6947-8B2D-5045B5B362E1}"/>
+                  </a:ext>
+                </a:extLst>
+              </p:cNvPr>
+              <p:cNvSpPr>
+                <a:spLocks noChangeAspect="1"/>
+              </p:cNvSpPr>
+              <p:nvPr/>
+            </p:nvSpPr>
+            <p:spPr>
+              <a:xfrm rot="16200000">
+                <a:off x="2136607" y="1689153"/>
+                <a:ext cx="2315865" cy="294144"/>
+              </a:xfrm>
+              <a:prstGeom prst="rect">
+                <a:avLst/>
+              </a:prstGeom>
+              <a:noFill/>
+              <a:ln w="38100">
+                <a:noFill/>
+              </a:ln>
+            </p:spPr>
+            <p:style>
+              <a:lnRef idx="2">
+                <a:schemeClr val="accent1">
+                  <a:shade val="50000"/>
+                </a:schemeClr>
+              </a:lnRef>
+              <a:fillRef idx="1">
+                <a:schemeClr val="accent1"/>
+              </a:fillRef>
+              <a:effectRef idx="0">
+                <a:schemeClr val="accent1"/>
+              </a:effectRef>
+              <a:fontRef idx="minor">
+                <a:schemeClr val="lt1"/>
+              </a:fontRef>
+            </p:style>
+            <p:txBody>
+              <a:bodyPr rtlCol="0" anchor="ctr"/>
+              <a:lstStyle/>
+              <a:p>
+                <a:pPr algn="ctr"/>
+                <a:r>
+                  <a:rPr lang="en-US" sz="1200" dirty="0">
+                    <a:solidFill>
+                      <a:schemeClr val="tx1"/>
+                    </a:solidFill>
+                    <a:latin typeface="Arial" panose="020B0604020202020204" pitchFamily="34" charset="0"/>
+                    <a:cs typeface="Arial" panose="020B0604020202020204" pitchFamily="34" charset="0"/>
+                  </a:rPr>
+                  <a:t>Transmission probability, </a:t>
+                </a:r>
+                <a14:m>
+                  <m:oMath xmlns:m="http://schemas.openxmlformats.org/officeDocument/2006/math">
+                    <m:r>
+                      <a:rPr lang="en-GB" sz="1200" b="0" i="1" smtClean="0">
+                        <a:solidFill>
+                          <a:schemeClr val="tx1"/>
+                        </a:solidFill>
+                        <a:latin typeface="Cambria Math" panose="02040503050406030204" pitchFamily="18" charset="0"/>
+                        <a:cs typeface="Arial" panose="020B0604020202020204" pitchFamily="34" charset="0"/>
+                      </a:rPr>
+                      <m:t>𝛽</m:t>
+                    </m:r>
+                  </m:oMath>
+                </a14:m>
+                <a:endParaRPr lang="en-US" sz="1200" dirty="0">
+                  <a:solidFill>
+                    <a:schemeClr val="tx1"/>
+                  </a:solidFill>
+                  <a:latin typeface="Arial" panose="020B0604020202020204" pitchFamily="34" charset="0"/>
+                  <a:cs typeface="Arial" panose="020B0604020202020204" pitchFamily="34" charset="0"/>
+                </a:endParaRPr>
+              </a:p>
+            </p:txBody>
+          </p:sp>
+        </mc:Choice>
+        <mc:Fallback>
+          <p:sp>
+            <p:nvSpPr>
+              <p:cNvPr id="114" name="Rectangle 113">
+                <a:extLst>
+                  <a:ext uri="{FF2B5EF4-FFF2-40B4-BE49-F238E27FC236}">
+                    <a16:creationId xmlns:a16="http://schemas.microsoft.com/office/drawing/2014/main" id="{4A0D45F5-6269-6947-8B2D-5045B5B362E1}"/>
+                  </a:ext>
+                </a:extLst>
+              </p:cNvPr>
+              <p:cNvSpPr>
+                <a:spLocks noRot="1" noChangeAspect="1" noMove="1" noResize="1" noEditPoints="1" noAdjustHandles="1" noChangeArrowheads="1" noChangeShapeType="1" noTextEdit="1"/>
+              </p:cNvSpPr>
+              <p:nvPr/>
+            </p:nvSpPr>
+            <p:spPr>
+              <a:xfrm rot="16200000">
+                <a:off x="2136607" y="1689153"/>
+                <a:ext cx="2315865" cy="294144"/>
+              </a:xfrm>
+              <a:prstGeom prst="rect">
+                <a:avLst/>
+              </a:prstGeom>
+              <a:blipFill>
+                <a:blip r:embed="rId16"/>
+                <a:stretch>
+                  <a:fillRect r="-12000"/>
+                </a:stretch>
+              </a:blipFill>
+              <a:ln w="38100">
+                <a:noFill/>
+              </a:ln>
+            </p:spPr>
+            <p:txBody>
+              <a:bodyPr/>
+              <a:lstStyle/>
+              <a:p>
+                <a:r>
+                  <a:rPr lang="en-US">
+                    <a:noFill/>
+                  </a:rPr>
+                  <a:t> </a:t>
+                </a:r>
+              </a:p>
+            </p:txBody>
+          </p:sp>
+        </mc:Fallback>
+      </mc:AlternateContent>
+      <p:sp>
+        <p:nvSpPr>
+          <p:cNvPr id="116" name="TextBox 115">
+            <a:extLst>
+              <a:ext uri="{FF2B5EF4-FFF2-40B4-BE49-F238E27FC236}">
+                <a16:creationId xmlns:a16="http://schemas.microsoft.com/office/drawing/2014/main" id="{5BD29E6D-08F9-9241-9097-2088D91005D4}"/>
+              </a:ext>
+            </a:extLst>
+          </p:cNvPr>
+          <p:cNvSpPr txBox="1"/>
+          <p:nvPr/>
+        </p:nvSpPr>
+        <p:spPr>
+          <a:xfrm>
+            <a:off x="3456088" y="-26072"/>
+            <a:ext cx="2473498" cy="553998"/>
+          </a:xfrm>
+          <a:prstGeom prst="rect">
+            <a:avLst/>
+          </a:prstGeom>
+          <a:noFill/>
+        </p:spPr>
+        <p:txBody>
+          <a:bodyPr wrap="none" rtlCol="0">
+            <a:spAutoFit/>
+          </a:bodyPr>
+          <a:lstStyle/>
+          <a:p>
+            <a:pPr algn="ctr"/>
+            <a:r>
+              <a:rPr lang="en-US" sz="1500" dirty="0">
+                <a:latin typeface="Arial" panose="020B0604020202020204" pitchFamily="34" charset="0"/>
+                <a:cs typeface="Arial" panose="020B0604020202020204" pitchFamily="34" charset="0"/>
+              </a:rPr>
+              <a:t>(b) Virulence-transmission </a:t>
+            </a:r>
+            <a:br>
+              <a:rPr lang="en-US" sz="1500" dirty="0">
+                <a:latin typeface="Arial" panose="020B0604020202020204" pitchFamily="34" charset="0"/>
+                <a:cs typeface="Arial" panose="020B0604020202020204" pitchFamily="34" charset="0"/>
+              </a:rPr>
+            </a:br>
+            <a:r>
+              <a:rPr lang="en-US" sz="1500" dirty="0">
+                <a:latin typeface="Arial" panose="020B0604020202020204" pitchFamily="34" charset="0"/>
+                <a:cs typeface="Arial" panose="020B0604020202020204" pitchFamily="34" charset="0"/>
+              </a:rPr>
+              <a:t>trade-off</a:t>
+            </a:r>
+          </a:p>
+        </p:txBody>
+      </p:sp>
+      <p:sp>
+        <p:nvSpPr>
+          <p:cNvPr id="18" name="Arc 17">
+            <a:extLst>
+              <a:ext uri="{FF2B5EF4-FFF2-40B4-BE49-F238E27FC236}">
+                <a16:creationId xmlns:a16="http://schemas.microsoft.com/office/drawing/2014/main" id="{72041D98-E4DA-7E42-9F53-042404112DA3}"/>
+              </a:ext>
+            </a:extLst>
+          </p:cNvPr>
+          <p:cNvSpPr/>
+          <p:nvPr/>
+        </p:nvSpPr>
+        <p:spPr>
+          <a:xfrm rot="16724243">
+            <a:off x="3275398" y="1052063"/>
+            <a:ext cx="5776860" cy="5643241"/>
+          </a:xfrm>
+          <a:prstGeom prst="arc">
+            <a:avLst>
+              <a:gd name="adj1" fmla="val 16780331"/>
+              <a:gd name="adj2" fmla="val 20774554"/>
+            </a:avLst>
+          </a:prstGeom>
+          <a:ln w="28575">
+            <a:solidFill>
+              <a:schemeClr val="tx1">
+                <a:lumMod val="95000"/>
+                <a:lumOff val="5000"/>
+              </a:schemeClr>
+            </a:solidFill>
+          </a:ln>
+        </p:spPr>
+        <p:style>
+          <a:lnRef idx="1">
+            <a:schemeClr val="accent1"/>
+          </a:lnRef>
+          <a:fillRef idx="0">
+            <a:schemeClr val="accent1"/>
+          </a:fillRef>
+          <a:effectRef idx="0">
+            <a:schemeClr val="accent1"/>
+          </a:effectRef>
+          <a:fontRef idx="minor">
+            <a:schemeClr val="tx1"/>
+          </a:fontRef>
+        </p:style>
+        <p:txBody>
+          <a:bodyPr rtlCol="0" anchor="ctr"/>
+          <a:lstStyle/>
+          <a:p>
+            <a:pPr algn="ctr"/>
+            <a:endParaRPr lang="en-US"/>
           </a:p>
         </p:txBody>
       </p:sp>
